--- a/FinalProject.pptx
+++ b/FinalProject.pptx
@@ -5,7 +5,7 @@
     <p:sldMasterId id="2147483648" r:id="rId1"/>
   </p:sldMasterIdLst>
   <p:notesMasterIdLst>
-    <p:notesMasterId r:id="rId12"/>
+    <p:notesMasterId r:id="rId13"/>
   </p:notesMasterIdLst>
   <p:sldIdLst>
     <p:sldId id="256" r:id="rId2"/>
@@ -15,9 +15,10 @@
     <p:sldId id="294" r:id="rId6"/>
     <p:sldId id="258" r:id="rId7"/>
     <p:sldId id="293" r:id="rId8"/>
-    <p:sldId id="282" r:id="rId9"/>
-    <p:sldId id="260" r:id="rId10"/>
-    <p:sldId id="289" r:id="rId11"/>
+    <p:sldId id="295" r:id="rId9"/>
+    <p:sldId id="282" r:id="rId10"/>
+    <p:sldId id="260" r:id="rId11"/>
+    <p:sldId id="289" r:id="rId12"/>
   </p:sldIdLst>
   <p:sldSz cx="12192000" cy="6858000"/>
   <p:notesSz cx="6858000" cy="9144000"/>
@@ -4327,6 +4328,133 @@
           <p:cNvPr id="2" name="Title 1">
             <a:extLst>
               <a:ext uri="{FF2B5EF4-FFF2-40B4-BE49-F238E27FC236}">
+                <a16:creationId xmlns:a16="http://schemas.microsoft.com/office/drawing/2014/main" id="{5B77483F-6C9D-4ACD-B16A-BA412645DF11}"/>
+              </a:ext>
+            </a:extLst>
+          </p:cNvPr>
+          <p:cNvSpPr>
+            <a:spLocks noGrp="1"/>
+          </p:cNvSpPr>
+          <p:nvPr>
+            <p:ph type="title"/>
+          </p:nvPr>
+        </p:nvSpPr>
+        <p:spPr/>
+        <p:txBody>
+          <a:bodyPr/>
+          <a:lstStyle/>
+          <a:p>
+            <a:r>
+              <a:rPr lang="en-US" dirty="0"/>
+              <a:t>System Demo</a:t>
+            </a:r>
+          </a:p>
+        </p:txBody>
+      </p:sp>
+      <p:sp>
+        <p:nvSpPr>
+          <p:cNvPr id="3" name="Content Placeholder 2">
+            <a:extLst>
+              <a:ext uri="{FF2B5EF4-FFF2-40B4-BE49-F238E27FC236}">
+                <a16:creationId xmlns:a16="http://schemas.microsoft.com/office/drawing/2014/main" id="{1B25B4F3-DA5A-4928-9C79-518B696A41BC}"/>
+              </a:ext>
+            </a:extLst>
+          </p:cNvPr>
+          <p:cNvSpPr>
+            <a:spLocks noGrp="1"/>
+          </p:cNvSpPr>
+          <p:nvPr>
+            <p:ph idx="1"/>
+          </p:nvPr>
+        </p:nvSpPr>
+        <p:spPr/>
+        <p:txBody>
+          <a:bodyPr/>
+          <a:lstStyle/>
+          <a:p>
+            <a:pPr marL="0" indent="0">
+              <a:buNone/>
+            </a:pPr>
+            <a:endParaRPr lang="en-US" dirty="0">
+              <a:solidFill>
+                <a:srgbClr val="000000"/>
+              </a:solidFill>
+              <a:latin typeface="Arial" panose="020B0604020202020204" pitchFamily="34" charset="0"/>
+            </a:endParaRPr>
+          </a:p>
+          <a:p>
+            <a:pPr marL="457200" lvl="1" indent="0">
+              <a:buNone/>
+            </a:pPr>
+            <a:endParaRPr lang="en-US" dirty="0"/>
+          </a:p>
+        </p:txBody>
+      </p:sp>
+      <p:pic>
+        <p:nvPicPr>
+          <p:cNvPr id="4" name="Picture 3"/>
+          <p:cNvPicPr>
+            <a:picLocks noChangeAspect="1"/>
+          </p:cNvPicPr>
+          <p:nvPr/>
+        </p:nvPicPr>
+        <p:blipFill>
+          <a:blip r:embed="rId2">
+            <a:extLst>
+              <a:ext uri="{28A0092B-C50C-407E-A947-70E740481C1C}">
+                <a14:useLocalDpi xmlns:a14="http://schemas.microsoft.com/office/drawing/2010/main" val="0"/>
+              </a:ext>
+            </a:extLst>
+          </a:blip>
+          <a:stretch>
+            <a:fillRect/>
+          </a:stretch>
+        </p:blipFill>
+        <p:spPr>
+          <a:xfrm>
+            <a:off x="2771191" y="2015411"/>
+            <a:ext cx="6867332" cy="3470989"/>
+          </a:xfrm>
+          <a:prstGeom prst="rect">
+            <a:avLst/>
+          </a:prstGeom>
+        </p:spPr>
+      </p:pic>
+    </p:spTree>
+    <p:extLst>
+      <p:ext uri="{BB962C8B-B14F-4D97-AF65-F5344CB8AC3E}">
+        <p14:creationId xmlns:p14="http://schemas.microsoft.com/office/powerpoint/2010/main" val="1132173584"/>
+      </p:ext>
+    </p:extLst>
+  </p:cSld>
+  <p:clrMapOvr>
+    <a:masterClrMapping/>
+  </p:clrMapOvr>
+</p:sld>
+</file>
+
+<file path=ppt/slides/slide11.xml><?xml version="1.0" encoding="utf-8"?>
+<p:sld xmlns:a="http://schemas.openxmlformats.org/drawingml/2006/main" xmlns:r="http://schemas.openxmlformats.org/officeDocument/2006/relationships" xmlns:p="http://schemas.openxmlformats.org/presentationml/2006/main">
+  <p:cSld>
+    <p:spTree>
+      <p:nvGrpSpPr>
+        <p:cNvPr id="1" name=""/>
+        <p:cNvGrpSpPr/>
+        <p:nvPr/>
+      </p:nvGrpSpPr>
+      <p:grpSpPr>
+        <a:xfrm>
+          <a:off x="0" y="0"/>
+          <a:ext cx="0" cy="0"/>
+          <a:chOff x="0" y="0"/>
+          <a:chExt cx="0" cy="0"/>
+        </a:xfrm>
+      </p:grpSpPr>
+      <p:sp>
+        <p:nvSpPr>
+          <p:cNvPr id="2" name="Title 1">
+            <a:extLst>
+              <a:ext uri="{FF2B5EF4-FFF2-40B4-BE49-F238E27FC236}">
                 <a16:creationId xmlns:a16="http://schemas.microsoft.com/office/drawing/2014/main" id="{E231A1CB-9B23-40CF-85F0-C9F2BE930E6D}"/>
               </a:ext>
             </a:extLst>
@@ -5327,6 +5455,14 @@
 <file path=ppt/slides/slide8.xml><?xml version="1.0" encoding="utf-8"?>
 <p:sld xmlns:a="http://schemas.openxmlformats.org/drawingml/2006/main" xmlns:r="http://schemas.openxmlformats.org/officeDocument/2006/relationships" xmlns:p="http://schemas.openxmlformats.org/presentationml/2006/main">
   <p:cSld>
+    <p:bg>
+      <p:bgPr>
+        <a:solidFill>
+          <a:schemeClr val="bg2"/>
+        </a:solidFill>
+        <a:effectLst/>
+      </p:bgPr>
+    </p:bg>
     <p:spTree>
       <p:nvGrpSpPr>
         <p:cNvPr id="1" name=""/>
@@ -5343,6 +5479,69 @@
       </p:grpSpPr>
       <p:sp>
         <p:nvSpPr>
+          <p:cNvPr id="17" name="Rectangle 16">
+            <a:extLst>
+              <a:ext uri="{FF2B5EF4-FFF2-40B4-BE49-F238E27FC236}">
+                <a16:creationId xmlns:a16="http://schemas.microsoft.com/office/drawing/2014/main" id="{16C5FA50-8D52-4617-AF91-5C7B1C8352F1}"/>
+              </a:ext>
+              <a:ext uri="{C183D7F6-B498-43B3-948B-1728B52AA6E4}">
+                <adec:decorative xmlns:adec="http://schemas.microsoft.com/office/drawing/2017/decorative" val="1"/>
+              </a:ext>
+            </a:extLst>
+          </p:cNvPr>
+          <p:cNvSpPr>
+            <a:spLocks noGrp="1" noRot="1" noChangeAspect="1" noMove="1" noResize="1" noEditPoints="1" noAdjustHandles="1" noChangeArrowheads="1" noChangeShapeType="1" noTextEdit="1"/>
+          </p:cNvSpPr>
+          <p:nvPr>
+            <p:extLst>
+              <p:ext uri="{386F3935-93C4-4BCD-93E2-E3B085C9AB24}">
+                <p16:designElem xmlns:p16="http://schemas.microsoft.com/office/powerpoint/2015/main" val="1"/>
+              </p:ext>
+            </p:extLst>
+          </p:nvPr>
+        </p:nvSpPr>
+        <p:spPr>
+          <a:xfrm>
+            <a:off x="0" y="0"/>
+            <a:ext cx="12192000" cy="6858000"/>
+          </a:xfrm>
+          <a:prstGeom prst="rect">
+            <a:avLst/>
+          </a:prstGeom>
+          <a:solidFill>
+            <a:srgbClr val="44505C"/>
+          </a:solidFill>
+          <a:ln>
+            <a:noFill/>
+          </a:ln>
+        </p:spPr>
+        <p:style>
+          <a:lnRef idx="2">
+            <a:schemeClr val="accent1">
+              <a:shade val="50000"/>
+            </a:schemeClr>
+          </a:lnRef>
+          <a:fillRef idx="1">
+            <a:schemeClr val="accent1"/>
+          </a:fillRef>
+          <a:effectRef idx="0">
+            <a:schemeClr val="accent1"/>
+          </a:effectRef>
+          <a:fontRef idx="minor">
+            <a:schemeClr val="lt1"/>
+          </a:fontRef>
+        </p:style>
+        <p:txBody>
+          <a:bodyPr rtlCol="0" anchor="ctr"/>
+          <a:lstStyle/>
+          <a:p>
+            <a:pPr algn="ctr"/>
+            <a:endParaRPr lang="en-US"/>
+          </a:p>
+        </p:txBody>
+      </p:sp>
+      <p:sp>
+        <p:nvSpPr>
           <p:cNvPr id="2" name="Title 1">
             <a:extLst>
               <a:ext uri="{FF2B5EF4-FFF2-40B4-BE49-F238E27FC236}">
@@ -5357,103 +5556,139 @@
             <p:ph type="title"/>
           </p:nvPr>
         </p:nvSpPr>
-        <p:spPr/>
-        <p:txBody>
-          <a:bodyPr/>
-          <a:lstStyle/>
-          <a:p>
-            <a:pPr>
-              <a:lnSpc>
-                <a:spcPct val="150000"/>
-              </a:lnSpc>
-            </a:pPr>
-            <a:r>
-              <a:rPr lang="en-US" sz="4400" dirty="0"/>
-              <a:t>Technical concepts applied</a:t>
-            </a:r>
-          </a:p>
-        </p:txBody>
-      </p:sp>
-      <p:sp>
-        <p:nvSpPr>
-          <p:cNvPr id="3" name="Content Placeholder 2">
-            <a:extLst>
-              <a:ext uri="{FF2B5EF4-FFF2-40B4-BE49-F238E27FC236}">
-                <a16:creationId xmlns:a16="http://schemas.microsoft.com/office/drawing/2014/main" id="{6E4D6B02-55D3-4606-9B2A-EAB866977453}"/>
-              </a:ext>
-            </a:extLst>
-          </p:cNvPr>
-          <p:cNvSpPr>
-            <a:spLocks noGrp="1"/>
-          </p:cNvSpPr>
-          <p:nvPr>
-            <p:ph idx="1"/>
-          </p:nvPr>
-        </p:nvSpPr>
-        <p:spPr/>
-        <p:txBody>
-          <a:bodyPr>
+        <p:spPr>
+          <a:xfrm>
+            <a:off x="9093496" y="618681"/>
+            <a:ext cx="2613872" cy="4794567"/>
+          </a:xfrm>
+        </p:spPr>
+        <p:txBody>
+          <a:bodyPr vert="horz" lIns="91440" tIns="45720" rIns="91440" bIns="45720" rtlCol="0" anchor="ctr">
             <a:normAutofit/>
           </a:bodyPr>
           <a:lstStyle/>
           <a:p>
-            <a:pPr>
-              <a:lnSpc>
-                <a:spcPct val="150000"/>
-              </a:lnSpc>
-            </a:pPr>
-            <a:r>
-              <a:rPr lang="en-US" sz="2000" dirty="0"/>
-              <a:t>Tier Search Tree</a:t>
-            </a:r>
-          </a:p>
-          <a:p>
-            <a:pPr>
-              <a:lnSpc>
-                <a:spcPct val="150000"/>
-              </a:lnSpc>
-            </a:pPr>
-            <a:r>
-              <a:rPr lang="en-US" sz="2000" dirty="0"/>
-              <a:t>Binary Heap</a:t>
-            </a:r>
-          </a:p>
-          <a:p>
-            <a:pPr>
-              <a:lnSpc>
-                <a:spcPct val="150000"/>
-              </a:lnSpc>
-            </a:pPr>
-            <a:r>
-              <a:rPr lang="en-US" sz="2000" dirty="0"/>
-              <a:t>Hash table</a:t>
-            </a:r>
-          </a:p>
-          <a:p>
-            <a:pPr>
-              <a:lnSpc>
-                <a:spcPct val="150000"/>
-              </a:lnSpc>
-            </a:pPr>
-            <a:r>
-              <a:rPr lang="en-US" sz="2000" dirty="0"/>
-              <a:t>Regular expression</a:t>
-            </a:r>
-          </a:p>
-          <a:p>
-            <a:pPr>
-              <a:lnSpc>
-                <a:spcPct val="150000"/>
-              </a:lnSpc>
-            </a:pPr>
-            <a:endParaRPr lang="en-US" sz="2000" dirty="0"/>
-          </a:p>
-        </p:txBody>
-      </p:sp>
+            <a:r>
+              <a:rPr lang="en-US" sz="3600" dirty="0">
+                <a:solidFill>
+                  <a:srgbClr val="FFFFFF"/>
+                </a:solidFill>
+              </a:rPr>
+              <a:t>Source Code Structure</a:t>
+            </a:r>
+          </a:p>
+        </p:txBody>
+      </p:sp>
+      <p:sp>
+        <p:nvSpPr>
+          <p:cNvPr id="19" name="Rounded Rectangle 9">
+            <a:extLst>
+              <a:ext uri="{FF2B5EF4-FFF2-40B4-BE49-F238E27FC236}">
+                <a16:creationId xmlns:a16="http://schemas.microsoft.com/office/drawing/2014/main" id="{E223798C-12AD-4B0C-A50C-D676347D67CF}"/>
+              </a:ext>
+              <a:ext uri="{C183D7F6-B498-43B3-948B-1728B52AA6E4}">
+                <adec:decorative xmlns:adec="http://schemas.microsoft.com/office/drawing/2017/decorative" val="1"/>
+              </a:ext>
+            </a:extLst>
+          </p:cNvPr>
+          <p:cNvSpPr>
+            <a:spLocks noGrp="1" noRot="1" noChangeAspect="1" noMove="1" noResize="1" noEditPoints="1" noAdjustHandles="1" noChangeArrowheads="1" noChangeShapeType="1" noTextEdit="1"/>
+          </p:cNvSpPr>
+          <p:nvPr>
+            <p:extLst>
+              <p:ext uri="{386F3935-93C4-4BCD-93E2-E3B085C9AB24}">
+                <p16:designElem xmlns:p16="http://schemas.microsoft.com/office/powerpoint/2015/main" val="1"/>
+              </p:ext>
+            </p:extLst>
+          </p:nvPr>
+        </p:nvSpPr>
+        <p:spPr>
+          <a:xfrm>
+            <a:off x="493354" y="484632"/>
+            <a:ext cx="8129016" cy="5724144"/>
+          </a:xfrm>
+          <a:prstGeom prst="roundRect">
+            <a:avLst>
+              <a:gd name="adj" fmla="val 0"/>
+            </a:avLst>
+          </a:prstGeom>
+          <a:solidFill>
+            <a:srgbClr val="FFFFFF"/>
+          </a:solidFill>
+          <a:ln w="9525">
+            <a:solidFill>
+              <a:srgbClr val="C8CACA"/>
+            </a:solidFill>
+          </a:ln>
+          <a:effectLst>
+            <a:outerShdw blurRad="57150" dist="19050" dir="5400000" algn="t" rotWithShape="0">
+              <a:prstClr val="black">
+                <a:alpha val="63000"/>
+              </a:prstClr>
+            </a:outerShdw>
+          </a:effectLst>
+        </p:spPr>
+        <p:style>
+          <a:lnRef idx="2">
+            <a:schemeClr val="accent1">
+              <a:shade val="50000"/>
+            </a:schemeClr>
+          </a:lnRef>
+          <a:fillRef idx="1">
+            <a:schemeClr val="accent1"/>
+          </a:fillRef>
+          <a:effectRef idx="0">
+            <a:schemeClr val="accent1"/>
+          </a:effectRef>
+          <a:fontRef idx="minor">
+            <a:schemeClr val="lt1"/>
+          </a:fontRef>
+        </p:style>
+        <p:txBody>
+          <a:bodyPr rtlCol="0" anchor="ctr"/>
+          <a:lstStyle/>
+          <a:p>
+            <a:pPr algn="ctr"/>
+            <a:endParaRPr lang="en-US"/>
+          </a:p>
+        </p:txBody>
+      </p:sp>
+      <p:pic>
+        <p:nvPicPr>
+          <p:cNvPr id="7" name="Content Placeholder 6">
+            <a:extLst>
+              <a:ext uri="{FF2B5EF4-FFF2-40B4-BE49-F238E27FC236}">
+                <a16:creationId xmlns:a16="http://schemas.microsoft.com/office/drawing/2014/main" id="{20A2E964-66EE-4D6B-A26B-2D14E7713157}"/>
+              </a:ext>
+            </a:extLst>
+          </p:cNvPr>
+          <p:cNvPicPr>
+            <a:picLocks noGrp="1" noChangeAspect="1"/>
+          </p:cNvPicPr>
+          <p:nvPr>
+            <p:ph idx="1"/>
+          </p:nvPr>
+        </p:nvPicPr>
+        <p:blipFill rotWithShape="1">
+          <a:blip r:embed="rId2"/>
+          <a:srcRect r="32372" b="1"/>
+          <a:stretch/>
+        </p:blipFill>
+        <p:spPr>
+          <a:xfrm>
+            <a:off x="976251" y="942538"/>
+            <a:ext cx="7163222" cy="4808332"/>
+          </a:xfrm>
+          <a:prstGeom prst="rect">
+            <a:avLst/>
+          </a:prstGeom>
+          <a:effectLst/>
+        </p:spPr>
+      </p:pic>
     </p:spTree>
     <p:extLst>
       <p:ext uri="{BB962C8B-B14F-4D97-AF65-F5344CB8AC3E}">
-        <p14:creationId xmlns:p14="http://schemas.microsoft.com/office/powerpoint/2010/main" val="2028386000"/>
+        <p14:creationId xmlns:p14="http://schemas.microsoft.com/office/powerpoint/2010/main" val="2923799599"/>
       </p:ext>
     </p:extLst>
   </p:cSld>
@@ -5485,7 +5720,7 @@
           <p:cNvPr id="2" name="Title 1">
             <a:extLst>
               <a:ext uri="{FF2B5EF4-FFF2-40B4-BE49-F238E27FC236}">
-                <a16:creationId xmlns:a16="http://schemas.microsoft.com/office/drawing/2014/main" id="{5B77483F-6C9D-4ACD-B16A-BA412645DF11}"/>
+                <a16:creationId xmlns:a16="http://schemas.microsoft.com/office/drawing/2014/main" id="{E231A1CB-9B23-40CF-85F0-C9F2BE930E6D}"/>
               </a:ext>
             </a:extLst>
           </p:cNvPr>
@@ -5501,9 +5736,14 @@
           <a:bodyPr/>
           <a:lstStyle/>
           <a:p>
-            <a:r>
-              <a:rPr lang="en-US" dirty="0"/>
-              <a:t>System Demo</a:t>
+            <a:pPr>
+              <a:lnSpc>
+                <a:spcPct val="150000"/>
+              </a:lnSpc>
+            </a:pPr>
+            <a:r>
+              <a:rPr lang="en-US" sz="4400" dirty="0"/>
+              <a:t>Technical concepts applied</a:t>
             </a:r>
           </a:p>
         </p:txBody>
@@ -5513,7 +5753,7 @@
           <p:cNvPr id="3" name="Content Placeholder 2">
             <a:extLst>
               <a:ext uri="{FF2B5EF4-FFF2-40B4-BE49-F238E27FC236}">
-                <a16:creationId xmlns:a16="http://schemas.microsoft.com/office/drawing/2014/main" id="{1B25B4F3-DA5A-4928-9C79-518B696A41BC}"/>
+                <a16:creationId xmlns:a16="http://schemas.microsoft.com/office/drawing/2014/main" id="{6E4D6B02-55D3-4606-9B2A-EAB866977453}"/>
               </a:ext>
             </a:extLst>
           </p:cNvPr>
@@ -5526,61 +5766,68 @@
         </p:nvSpPr>
         <p:spPr/>
         <p:txBody>
-          <a:bodyPr/>
-          <a:lstStyle/>
-          <a:p>
-            <a:pPr marL="0" indent="0">
-              <a:buNone/>
+          <a:bodyPr>
+            <a:normAutofit/>
+          </a:bodyPr>
+          <a:lstStyle/>
+          <a:p>
+            <a:pPr>
+              <a:lnSpc>
+                <a:spcPct val="150000"/>
+              </a:lnSpc>
             </a:pPr>
-            <a:endParaRPr lang="en-US" dirty="0">
-              <a:solidFill>
-                <a:srgbClr val="000000"/>
-              </a:solidFill>
-              <a:latin typeface="Arial" panose="020B0604020202020204" pitchFamily="34" charset="0"/>
-            </a:endParaRPr>
-          </a:p>
-          <a:p>
-            <a:pPr marL="457200" lvl="1" indent="0">
-              <a:buNone/>
+            <a:r>
+              <a:rPr lang="en-US" sz="2000" dirty="0"/>
+              <a:t>Tier Search Tree</a:t>
+            </a:r>
+          </a:p>
+          <a:p>
+            <a:pPr>
+              <a:lnSpc>
+                <a:spcPct val="150000"/>
+              </a:lnSpc>
             </a:pPr>
-            <a:endParaRPr lang="en-US" dirty="0"/>
-          </a:p>
-        </p:txBody>
-      </p:sp>
-      <p:pic>
-        <p:nvPicPr>
-          <p:cNvPr id="4" name="Picture 3"/>
-          <p:cNvPicPr>
-            <a:picLocks noChangeAspect="1"/>
-          </p:cNvPicPr>
-          <p:nvPr/>
-        </p:nvPicPr>
-        <p:blipFill>
-          <a:blip r:embed="rId2">
-            <a:extLst>
-              <a:ext uri="{28A0092B-C50C-407E-A947-70E740481C1C}">
-                <a14:useLocalDpi xmlns:a14="http://schemas.microsoft.com/office/drawing/2010/main" val="0"/>
-              </a:ext>
-            </a:extLst>
-          </a:blip>
-          <a:stretch>
-            <a:fillRect/>
-          </a:stretch>
-        </p:blipFill>
-        <p:spPr>
-          <a:xfrm>
-            <a:off x="2771191" y="2015411"/>
-            <a:ext cx="6867332" cy="3470989"/>
-          </a:xfrm>
-          <a:prstGeom prst="rect">
-            <a:avLst/>
-          </a:prstGeom>
-        </p:spPr>
-      </p:pic>
+            <a:r>
+              <a:rPr lang="en-US" sz="2000" dirty="0"/>
+              <a:t>Binary Heap</a:t>
+            </a:r>
+          </a:p>
+          <a:p>
+            <a:pPr>
+              <a:lnSpc>
+                <a:spcPct val="150000"/>
+              </a:lnSpc>
+            </a:pPr>
+            <a:r>
+              <a:rPr lang="en-US" sz="2000" dirty="0"/>
+              <a:t>Hash table</a:t>
+            </a:r>
+          </a:p>
+          <a:p>
+            <a:pPr>
+              <a:lnSpc>
+                <a:spcPct val="150000"/>
+              </a:lnSpc>
+            </a:pPr>
+            <a:r>
+              <a:rPr lang="en-US" sz="2000" dirty="0"/>
+              <a:t>Regular expression</a:t>
+            </a:r>
+          </a:p>
+          <a:p>
+            <a:pPr>
+              <a:lnSpc>
+                <a:spcPct val="150000"/>
+              </a:lnSpc>
+            </a:pPr>
+            <a:endParaRPr lang="en-US" sz="2000" dirty="0"/>
+          </a:p>
+        </p:txBody>
+      </p:sp>
     </p:spTree>
     <p:extLst>
       <p:ext uri="{BB962C8B-B14F-4D97-AF65-F5344CB8AC3E}">
-        <p14:creationId xmlns:p14="http://schemas.microsoft.com/office/powerpoint/2010/main" val="1132173584"/>
+        <p14:creationId xmlns:p14="http://schemas.microsoft.com/office/powerpoint/2010/main" val="2028386000"/>
       </p:ext>
     </p:extLst>
   </p:cSld>
